--- a/react/week-1-1/slides/01-react-key-concepts.pptx
+++ b/react/week-1-1/slides/01-react-key-concepts.pptx
@@ -214,7 +214,7 @@
           <a:p>
             <a:fld id="{8397923A-9A8B-D647-82A1-4C6DF09BF7D8}" type="datetimeFigureOut">
               <a:rPr lang="en-VN" smtClean="0"/>
-              <a:t>23/06/2022</a:t>
+              <a:t>24/06/2022</a:t>
             </a:fld>
             <a:endParaRPr lang="en-VN"/>
           </a:p>
@@ -1999,7 +1999,7 @@
           <a:p>
             <a:fld id="{BA38658F-287A-6647-8B4A-BB5A7C80BA8C}" type="datetimeFigureOut">
               <a:rPr lang="en-VN" smtClean="0"/>
-              <a:t>23/06/2022</a:t>
+              <a:t>24/06/2022</a:t>
             </a:fld>
             <a:endParaRPr lang="en-VN"/>
           </a:p>
@@ -2199,7 +2199,7 @@
           <a:p>
             <a:fld id="{BA38658F-287A-6647-8B4A-BB5A7C80BA8C}" type="datetimeFigureOut">
               <a:rPr lang="en-VN" smtClean="0"/>
-              <a:t>23/06/2022</a:t>
+              <a:t>24/06/2022</a:t>
             </a:fld>
             <a:endParaRPr lang="en-VN"/>
           </a:p>
@@ -2409,7 +2409,7 @@
           <a:p>
             <a:fld id="{BA38658F-287A-6647-8B4A-BB5A7C80BA8C}" type="datetimeFigureOut">
               <a:rPr lang="en-VN" smtClean="0"/>
-              <a:t>23/06/2022</a:t>
+              <a:t>24/06/2022</a:t>
             </a:fld>
             <a:endParaRPr lang="en-VN"/>
           </a:p>
@@ -2609,7 +2609,7 @@
           <a:p>
             <a:fld id="{BA38658F-287A-6647-8B4A-BB5A7C80BA8C}" type="datetimeFigureOut">
               <a:rPr lang="en-VN" smtClean="0"/>
-              <a:t>23/06/2022</a:t>
+              <a:t>24/06/2022</a:t>
             </a:fld>
             <a:endParaRPr lang="en-VN"/>
           </a:p>
@@ -2885,7 +2885,7 @@
           <a:p>
             <a:fld id="{BA38658F-287A-6647-8B4A-BB5A7C80BA8C}" type="datetimeFigureOut">
               <a:rPr lang="en-VN" smtClean="0"/>
-              <a:t>23/06/2022</a:t>
+              <a:t>24/06/2022</a:t>
             </a:fld>
             <a:endParaRPr lang="en-VN"/>
           </a:p>
@@ -3153,7 +3153,7 @@
           <a:p>
             <a:fld id="{BA38658F-287A-6647-8B4A-BB5A7C80BA8C}" type="datetimeFigureOut">
               <a:rPr lang="en-VN" smtClean="0"/>
-              <a:t>23/06/2022</a:t>
+              <a:t>24/06/2022</a:t>
             </a:fld>
             <a:endParaRPr lang="en-VN"/>
           </a:p>
@@ -3568,7 +3568,7 @@
           <a:p>
             <a:fld id="{BA38658F-287A-6647-8B4A-BB5A7C80BA8C}" type="datetimeFigureOut">
               <a:rPr lang="en-VN" smtClean="0"/>
-              <a:t>23/06/2022</a:t>
+              <a:t>24/06/2022</a:t>
             </a:fld>
             <a:endParaRPr lang="en-VN"/>
           </a:p>
@@ -3710,7 +3710,7 @@
           <a:p>
             <a:fld id="{BA38658F-287A-6647-8B4A-BB5A7C80BA8C}" type="datetimeFigureOut">
               <a:rPr lang="en-VN" smtClean="0"/>
-              <a:t>23/06/2022</a:t>
+              <a:t>24/06/2022</a:t>
             </a:fld>
             <a:endParaRPr lang="en-VN"/>
           </a:p>
@@ -3823,7 +3823,7 @@
           <a:p>
             <a:fld id="{BA38658F-287A-6647-8B4A-BB5A7C80BA8C}" type="datetimeFigureOut">
               <a:rPr lang="en-VN" smtClean="0"/>
-              <a:t>23/06/2022</a:t>
+              <a:t>24/06/2022</a:t>
             </a:fld>
             <a:endParaRPr lang="en-VN"/>
           </a:p>
@@ -4136,7 +4136,7 @@
           <a:p>
             <a:fld id="{BA38658F-287A-6647-8B4A-BB5A7C80BA8C}" type="datetimeFigureOut">
               <a:rPr lang="en-VN" smtClean="0"/>
-              <a:t>23/06/2022</a:t>
+              <a:t>24/06/2022</a:t>
             </a:fld>
             <a:endParaRPr lang="en-VN"/>
           </a:p>
@@ -4425,7 +4425,7 @@
           <a:p>
             <a:fld id="{BA38658F-287A-6647-8B4A-BB5A7C80BA8C}" type="datetimeFigureOut">
               <a:rPr lang="en-VN" smtClean="0"/>
-              <a:t>23/06/2022</a:t>
+              <a:t>24/06/2022</a:t>
             </a:fld>
             <a:endParaRPr lang="en-VN"/>
           </a:p>
@@ -4668,7 +4668,7 @@
           <a:p>
             <a:fld id="{BA38658F-287A-6647-8B4A-BB5A7C80BA8C}" type="datetimeFigureOut">
               <a:rPr lang="en-VN" smtClean="0"/>
-              <a:t>23/06/2022</a:t>
+              <a:t>24/06/2022</a:t>
             </a:fld>
             <a:endParaRPr lang="en-VN"/>
           </a:p>
